--- a/graphs/2iz8_Mutation_Graphs.pptx
+++ b/graphs/2iz8_Mutation_Graphs.pptx
@@ -7,8 +7,11 @@
   <p:sldIdLst>
     <p:sldId id="257" r:id="rId2"/>
     <p:sldId id="289" r:id="rId3"/>
-    <p:sldId id="288" r:id="rId4"/>
-    <p:sldId id="287" r:id="rId5"/>
+    <p:sldId id="290" r:id="rId4"/>
+    <p:sldId id="288" r:id="rId5"/>
+    <p:sldId id="291" r:id="rId6"/>
+    <p:sldId id="287" r:id="rId7"/>
+    <p:sldId id="292" r:id="rId8"/>
   </p:sldIdLst>
   <p:sldSz cx="12192000" cy="6858000"/>
   <p:notesSz cx="6858000" cy="9144000"/>
@@ -107,6 +110,11 @@
       </a:defRPr>
     </a:lvl9pPr>
   </p:defaultTextStyle>
+  <p:extLst>
+    <p:ext uri="{EFAFB233-063F-42B5-8137-9DF3F51BA10A}">
+      <p15:sldGuideLst xmlns:p15="http://schemas.microsoft.com/office/powerpoint/2012/main"/>
+    </p:ext>
+  </p:extLst>
 </p:presentation>
 </file>
 
@@ -257,7 +265,7 @@
           <a:p>
             <a:fld id="{6B628F25-FB62-F74C-A045-9264E30AD1FC}" type="datetimeFigureOut">
               <a:rPr lang="en-US" smtClean="0"/>
-              <a:t>6/14/24</a:t>
+              <a:t>6/24/24</a:t>
             </a:fld>
             <a:endParaRPr lang="en-US"/>
           </a:p>
@@ -455,7 +463,7 @@
           <a:p>
             <a:fld id="{6B628F25-FB62-F74C-A045-9264E30AD1FC}" type="datetimeFigureOut">
               <a:rPr lang="en-US" smtClean="0"/>
-              <a:t>6/14/24</a:t>
+              <a:t>6/24/24</a:t>
             </a:fld>
             <a:endParaRPr lang="en-US"/>
           </a:p>
@@ -663,7 +671,7 @@
           <a:p>
             <a:fld id="{6B628F25-FB62-F74C-A045-9264E30AD1FC}" type="datetimeFigureOut">
               <a:rPr lang="en-US" smtClean="0"/>
-              <a:t>6/14/24</a:t>
+              <a:t>6/24/24</a:t>
             </a:fld>
             <a:endParaRPr lang="en-US"/>
           </a:p>
@@ -861,7 +869,7 @@
           <a:p>
             <a:fld id="{6B628F25-FB62-F74C-A045-9264E30AD1FC}" type="datetimeFigureOut">
               <a:rPr lang="en-US" smtClean="0"/>
-              <a:t>6/14/24</a:t>
+              <a:t>6/24/24</a:t>
             </a:fld>
             <a:endParaRPr lang="en-US"/>
           </a:p>
@@ -1136,7 +1144,7 @@
           <a:p>
             <a:fld id="{6B628F25-FB62-F74C-A045-9264E30AD1FC}" type="datetimeFigureOut">
               <a:rPr lang="en-US" smtClean="0"/>
-              <a:t>6/14/24</a:t>
+              <a:t>6/24/24</a:t>
             </a:fld>
             <a:endParaRPr lang="en-US"/>
           </a:p>
@@ -1401,7 +1409,7 @@
           <a:p>
             <a:fld id="{6B628F25-FB62-F74C-A045-9264E30AD1FC}" type="datetimeFigureOut">
               <a:rPr lang="en-US" smtClean="0"/>
-              <a:t>6/14/24</a:t>
+              <a:t>6/24/24</a:t>
             </a:fld>
             <a:endParaRPr lang="en-US"/>
           </a:p>
@@ -1813,7 +1821,7 @@
           <a:p>
             <a:fld id="{6B628F25-FB62-F74C-A045-9264E30AD1FC}" type="datetimeFigureOut">
               <a:rPr lang="en-US" smtClean="0"/>
-              <a:t>6/14/24</a:t>
+              <a:t>6/24/24</a:t>
             </a:fld>
             <a:endParaRPr lang="en-US"/>
           </a:p>
@@ -1954,7 +1962,7 @@
           <a:p>
             <a:fld id="{6B628F25-FB62-F74C-A045-9264E30AD1FC}" type="datetimeFigureOut">
               <a:rPr lang="en-US" smtClean="0"/>
-              <a:t>6/14/24</a:t>
+              <a:t>6/24/24</a:t>
             </a:fld>
             <a:endParaRPr lang="en-US"/>
           </a:p>
@@ -2067,7 +2075,7 @@
           <a:p>
             <a:fld id="{6B628F25-FB62-F74C-A045-9264E30AD1FC}" type="datetimeFigureOut">
               <a:rPr lang="en-US" smtClean="0"/>
-              <a:t>6/14/24</a:t>
+              <a:t>6/24/24</a:t>
             </a:fld>
             <a:endParaRPr lang="en-US"/>
           </a:p>
@@ -2378,7 +2386,7 @@
           <a:p>
             <a:fld id="{6B628F25-FB62-F74C-A045-9264E30AD1FC}" type="datetimeFigureOut">
               <a:rPr lang="en-US" smtClean="0"/>
-              <a:t>6/14/24</a:t>
+              <a:t>6/24/24</a:t>
             </a:fld>
             <a:endParaRPr lang="en-US"/>
           </a:p>
@@ -2666,7 +2674,7 @@
           <a:p>
             <a:fld id="{6B628F25-FB62-F74C-A045-9264E30AD1FC}" type="datetimeFigureOut">
               <a:rPr lang="en-US" smtClean="0"/>
-              <a:t>6/14/24</a:t>
+              <a:t>6/24/24</a:t>
             </a:fld>
             <a:endParaRPr lang="en-US"/>
           </a:p>
@@ -2907,7 +2915,7 @@
           <a:p>
             <a:fld id="{6B628F25-FB62-F74C-A045-9264E30AD1FC}" type="datetimeFigureOut">
               <a:rPr lang="en-US" smtClean="0"/>
-              <a:t>6/14/24</a:t>
+              <a:t>6/24/24</a:t>
             </a:fld>
             <a:endParaRPr lang="en-US"/>
           </a:p>
@@ -3352,31 +3360,6 @@
           </a:p>
         </p:txBody>
       </p:sp>
-      <p:sp>
-        <p:nvSpPr>
-          <p:cNvPr id="3" name="Subtitle 2">
-            <a:extLst>
-              <a:ext uri="{FF2B5EF4-FFF2-40B4-BE49-F238E27FC236}">
-                <a16:creationId xmlns:a16="http://schemas.microsoft.com/office/drawing/2014/main" id="{03F26B89-6436-22DE-6CAB-A420AB507087}"/>
-              </a:ext>
-            </a:extLst>
-          </p:cNvPr>
-          <p:cNvSpPr>
-            <a:spLocks noGrp="1"/>
-          </p:cNvSpPr>
-          <p:nvPr>
-            <p:ph type="subTitle" idx="1"/>
-          </p:nvPr>
-        </p:nvSpPr>
-        <p:spPr/>
-        <p:txBody>
-          <a:bodyPr/>
-          <a:lstStyle/>
-          <a:p>
-            <a:endParaRPr lang="en-US"/>
-          </a:p>
-        </p:txBody>
-      </p:sp>
     </p:spTree>
     <p:extLst>
       <p:ext uri="{BB962C8B-B14F-4D97-AF65-F5344CB8AC3E}">
@@ -3676,6 +3659,252 @@
           <a:p>
             <a:r>
               <a:rPr lang="en-US" dirty="0"/>
+              <a:t>2iz8_Single Mutation (2iz8) – PHI 9.5</a:t>
+            </a:r>
+          </a:p>
+        </p:txBody>
+      </p:sp>
+      <p:sp>
+        <p:nvSpPr>
+          <p:cNvPr id="4" name="TextBox 3">
+            <a:extLst>
+              <a:ext uri="{FF2B5EF4-FFF2-40B4-BE49-F238E27FC236}">
+                <a16:creationId xmlns:a16="http://schemas.microsoft.com/office/drawing/2014/main" id="{728302CB-C012-00EF-0450-25C9128C2913}"/>
+              </a:ext>
+            </a:extLst>
+          </p:cNvPr>
+          <p:cNvSpPr txBox="1"/>
+          <p:nvPr/>
+        </p:nvSpPr>
+        <p:spPr>
+          <a:xfrm>
+            <a:off x="838200" y="1757723"/>
+            <a:ext cx="6094990" cy="923330"/>
+          </a:xfrm>
+          <a:prstGeom prst="rect">
+            <a:avLst/>
+          </a:prstGeom>
+          <a:noFill/>
+        </p:spPr>
+        <p:txBody>
+          <a:bodyPr wrap="square">
+            <a:spAutoFit/>
+          </a:bodyPr>
+          <a:lstStyle/>
+          <a:p>
+            <a:r>
+              <a:rPr lang="en-US" dirty="0"/>
+              <a:t>Pearson rank correlation coefficient: 0.056 </a:t>
+            </a:r>
+          </a:p>
+          <a:p>
+            <a:r>
+              <a:rPr lang="en-US" dirty="0"/>
+              <a:t>Spearman rank correlation coefficient: 0.062 </a:t>
+            </a:r>
+          </a:p>
+          <a:p>
+            <a:r>
+              <a:rPr lang="en-US" dirty="0"/>
+              <a:t>Coefficient of Determination (R^2): 0.003</a:t>
+            </a:r>
+          </a:p>
+        </p:txBody>
+      </p:sp>
+      <p:pic>
+        <p:nvPicPr>
+          <p:cNvPr id="1026" name="Picture 2">
+            <a:extLst>
+              <a:ext uri="{FF2B5EF4-FFF2-40B4-BE49-F238E27FC236}">
+                <a16:creationId xmlns:a16="http://schemas.microsoft.com/office/drawing/2014/main" id="{F199D6F8-AC32-8DD4-9145-13C7F674ABF0}"/>
+              </a:ext>
+            </a:extLst>
+          </p:cNvPr>
+          <p:cNvPicPr>
+            <a:picLocks noChangeAspect="1" noChangeArrowheads="1"/>
+          </p:cNvPicPr>
+          <p:nvPr/>
+        </p:nvPicPr>
+        <p:blipFill>
+          <a:blip r:embed="rId2">
+            <a:extLst>
+              <a:ext uri="{28A0092B-C50C-407E-A947-70E740481C1C}">
+                <a14:useLocalDpi xmlns:a14="http://schemas.microsoft.com/office/drawing/2010/main" val="0"/>
+              </a:ext>
+            </a:extLst>
+          </a:blip>
+          <a:srcRect/>
+          <a:stretch>
+            <a:fillRect/>
+          </a:stretch>
+        </p:blipFill>
+        <p:spPr bwMode="auto">
+          <a:xfrm>
+            <a:off x="80603" y="3642360"/>
+            <a:ext cx="3937402" cy="2850515"/>
+          </a:xfrm>
+          <a:prstGeom prst="rect">
+            <a:avLst/>
+          </a:prstGeom>
+          <a:noFill/>
+          <a:extLst>
+            <a:ext uri="{909E8E84-426E-40DD-AFC4-6F175D3DCCD1}">
+              <a14:hiddenFill xmlns:a14="http://schemas.microsoft.com/office/drawing/2010/main">
+                <a:solidFill>
+                  <a:srgbClr val="FFFFFF"/>
+                </a:solidFill>
+              </a14:hiddenFill>
+            </a:ext>
+          </a:extLst>
+        </p:spPr>
+      </p:pic>
+      <p:pic>
+        <p:nvPicPr>
+          <p:cNvPr id="1028" name="Picture 4">
+            <a:extLst>
+              <a:ext uri="{FF2B5EF4-FFF2-40B4-BE49-F238E27FC236}">
+                <a16:creationId xmlns:a16="http://schemas.microsoft.com/office/drawing/2014/main" id="{7E07F2A1-CBD7-91F8-71A0-852C5737069C}"/>
+              </a:ext>
+            </a:extLst>
+          </p:cNvPr>
+          <p:cNvPicPr>
+            <a:picLocks noChangeAspect="1" noChangeArrowheads="1"/>
+          </p:cNvPicPr>
+          <p:nvPr/>
+        </p:nvPicPr>
+        <p:blipFill>
+          <a:blip r:embed="rId3">
+            <a:extLst>
+              <a:ext uri="{28A0092B-C50C-407E-A947-70E740481C1C}">
+                <a14:useLocalDpi xmlns:a14="http://schemas.microsoft.com/office/drawing/2010/main" val="0"/>
+              </a:ext>
+            </a:extLst>
+          </a:blip>
+          <a:srcRect/>
+          <a:stretch>
+            <a:fillRect/>
+          </a:stretch>
+        </p:blipFill>
+        <p:spPr bwMode="auto">
+          <a:xfrm>
+            <a:off x="4127299" y="3642360"/>
+            <a:ext cx="3937402" cy="2850515"/>
+          </a:xfrm>
+          <a:prstGeom prst="rect">
+            <a:avLst/>
+          </a:prstGeom>
+          <a:noFill/>
+          <a:extLst>
+            <a:ext uri="{909E8E84-426E-40DD-AFC4-6F175D3DCCD1}">
+              <a14:hiddenFill xmlns:a14="http://schemas.microsoft.com/office/drawing/2010/main">
+                <a:solidFill>
+                  <a:srgbClr val="FFFFFF"/>
+                </a:solidFill>
+              </a14:hiddenFill>
+            </a:ext>
+          </a:extLst>
+        </p:spPr>
+      </p:pic>
+      <p:pic>
+        <p:nvPicPr>
+          <p:cNvPr id="1030" name="Picture 6">
+            <a:extLst>
+              <a:ext uri="{FF2B5EF4-FFF2-40B4-BE49-F238E27FC236}">
+                <a16:creationId xmlns:a16="http://schemas.microsoft.com/office/drawing/2014/main" id="{670D6B49-2029-1846-1775-8006C216FBB9}"/>
+              </a:ext>
+            </a:extLst>
+          </p:cNvPr>
+          <p:cNvPicPr>
+            <a:picLocks noChangeAspect="1" noChangeArrowheads="1"/>
+          </p:cNvPicPr>
+          <p:nvPr/>
+        </p:nvPicPr>
+        <p:blipFill>
+          <a:blip r:embed="rId4">
+            <a:extLst>
+              <a:ext uri="{28A0092B-C50C-407E-A947-70E740481C1C}">
+                <a14:useLocalDpi xmlns:a14="http://schemas.microsoft.com/office/drawing/2010/main" val="0"/>
+              </a:ext>
+            </a:extLst>
+          </a:blip>
+          <a:srcRect/>
+          <a:stretch>
+            <a:fillRect/>
+          </a:stretch>
+        </p:blipFill>
+        <p:spPr bwMode="auto">
+          <a:xfrm>
+            <a:off x="8173995" y="3642359"/>
+            <a:ext cx="3937402" cy="2850515"/>
+          </a:xfrm>
+          <a:prstGeom prst="rect">
+            <a:avLst/>
+          </a:prstGeom>
+          <a:noFill/>
+          <a:extLst>
+            <a:ext uri="{909E8E84-426E-40DD-AFC4-6F175D3DCCD1}">
+              <a14:hiddenFill xmlns:a14="http://schemas.microsoft.com/office/drawing/2010/main">
+                <a:solidFill>
+                  <a:srgbClr val="FFFFFF"/>
+                </a:solidFill>
+              </a14:hiddenFill>
+            </a:ext>
+          </a:extLst>
+        </p:spPr>
+      </p:pic>
+    </p:spTree>
+    <p:extLst>
+      <p:ext uri="{BB962C8B-B14F-4D97-AF65-F5344CB8AC3E}">
+        <p14:creationId xmlns:p14="http://schemas.microsoft.com/office/powerpoint/2010/main" val="1112945208"/>
+      </p:ext>
+    </p:extLst>
+  </p:cSld>
+  <p:clrMapOvr>
+    <a:masterClrMapping/>
+  </p:clrMapOvr>
+</p:sld>
+</file>
+
+<file path=ppt/slides/slide4.xml><?xml version="1.0" encoding="utf-8"?>
+<p:sld xmlns:a="http://schemas.openxmlformats.org/drawingml/2006/main" xmlns:r="http://schemas.openxmlformats.org/officeDocument/2006/relationships" xmlns:p="http://schemas.openxmlformats.org/presentationml/2006/main">
+  <p:cSld>
+    <p:spTree>
+      <p:nvGrpSpPr>
+        <p:cNvPr id="1" name=""/>
+        <p:cNvGrpSpPr/>
+        <p:nvPr/>
+      </p:nvGrpSpPr>
+      <p:grpSpPr>
+        <a:xfrm>
+          <a:off x="0" y="0"/>
+          <a:ext cx="0" cy="0"/>
+          <a:chOff x="0" y="0"/>
+          <a:chExt cx="0" cy="0"/>
+        </a:xfrm>
+      </p:grpSpPr>
+      <p:sp>
+        <p:nvSpPr>
+          <p:cNvPr id="2" name="Title 1">
+            <a:extLst>
+              <a:ext uri="{FF2B5EF4-FFF2-40B4-BE49-F238E27FC236}">
+                <a16:creationId xmlns:a16="http://schemas.microsoft.com/office/drawing/2014/main" id="{1A877E3B-C8DE-F07E-AF0F-4CF353351B7C}"/>
+              </a:ext>
+            </a:extLst>
+          </p:cNvPr>
+          <p:cNvSpPr>
+            <a:spLocks noGrp="1"/>
+          </p:cNvSpPr>
+          <p:nvPr>
+            <p:ph type="title"/>
+          </p:nvPr>
+        </p:nvSpPr>
+        <p:spPr/>
+        <p:txBody>
+          <a:bodyPr/>
+          <a:lstStyle/>
+          <a:p>
+            <a:r>
+              <a:rPr lang="en-US" dirty="0"/>
               <a:t>2iz8_Double Mutation (2bu1) – PHI 9.5</a:t>
             </a:r>
           </a:p>
@@ -3882,7 +4111,253 @@
 </p:sld>
 </file>
 
-<file path=ppt/slides/slide4.xml><?xml version="1.0" encoding="utf-8"?>
+<file path=ppt/slides/slide5.xml><?xml version="1.0" encoding="utf-8"?>
+<p:sld xmlns:a="http://schemas.openxmlformats.org/drawingml/2006/main" xmlns:r="http://schemas.openxmlformats.org/officeDocument/2006/relationships" xmlns:p="http://schemas.openxmlformats.org/presentationml/2006/main">
+  <p:cSld>
+    <p:spTree>
+      <p:nvGrpSpPr>
+        <p:cNvPr id="1" name=""/>
+        <p:cNvGrpSpPr/>
+        <p:nvPr/>
+      </p:nvGrpSpPr>
+      <p:grpSpPr>
+        <a:xfrm>
+          <a:off x="0" y="0"/>
+          <a:ext cx="0" cy="0"/>
+          <a:chOff x="0" y="0"/>
+          <a:chExt cx="0" cy="0"/>
+        </a:xfrm>
+      </p:grpSpPr>
+      <p:sp>
+        <p:nvSpPr>
+          <p:cNvPr id="2" name="Title 1">
+            <a:extLst>
+              <a:ext uri="{FF2B5EF4-FFF2-40B4-BE49-F238E27FC236}">
+                <a16:creationId xmlns:a16="http://schemas.microsoft.com/office/drawing/2014/main" id="{1A877E3B-C8DE-F07E-AF0F-4CF353351B7C}"/>
+              </a:ext>
+            </a:extLst>
+          </p:cNvPr>
+          <p:cNvSpPr>
+            <a:spLocks noGrp="1"/>
+          </p:cNvSpPr>
+          <p:nvPr>
+            <p:ph type="title"/>
+          </p:nvPr>
+        </p:nvSpPr>
+        <p:spPr/>
+        <p:txBody>
+          <a:bodyPr/>
+          <a:lstStyle/>
+          <a:p>
+            <a:r>
+              <a:rPr lang="en-US" dirty="0"/>
+              <a:t>2iz8_Double Mutation (2iz8) – PHI 9.5</a:t>
+            </a:r>
+          </a:p>
+        </p:txBody>
+      </p:sp>
+      <p:sp>
+        <p:nvSpPr>
+          <p:cNvPr id="4" name="TextBox 3">
+            <a:extLst>
+              <a:ext uri="{FF2B5EF4-FFF2-40B4-BE49-F238E27FC236}">
+                <a16:creationId xmlns:a16="http://schemas.microsoft.com/office/drawing/2014/main" id="{728302CB-C012-00EF-0450-25C9128C2913}"/>
+              </a:ext>
+            </a:extLst>
+          </p:cNvPr>
+          <p:cNvSpPr txBox="1"/>
+          <p:nvPr/>
+        </p:nvSpPr>
+        <p:spPr>
+          <a:xfrm>
+            <a:off x="838200" y="1757723"/>
+            <a:ext cx="6094990" cy="923330"/>
+          </a:xfrm>
+          <a:prstGeom prst="rect">
+            <a:avLst/>
+          </a:prstGeom>
+          <a:noFill/>
+        </p:spPr>
+        <p:txBody>
+          <a:bodyPr wrap="square">
+            <a:spAutoFit/>
+          </a:bodyPr>
+          <a:lstStyle/>
+          <a:p>
+            <a:r>
+              <a:rPr lang="en-US" dirty="0"/>
+              <a:t>Pearson rank correlation coefficient: 0.101 </a:t>
+            </a:r>
+          </a:p>
+          <a:p>
+            <a:r>
+              <a:rPr lang="en-US" dirty="0"/>
+              <a:t>Spearman rank correlation coefficient: 0.070 </a:t>
+            </a:r>
+          </a:p>
+          <a:p>
+            <a:r>
+              <a:rPr lang="en-US" dirty="0"/>
+              <a:t>Coefficient of Determination (R^2): 0.010</a:t>
+            </a:r>
+          </a:p>
+        </p:txBody>
+      </p:sp>
+      <p:pic>
+        <p:nvPicPr>
+          <p:cNvPr id="2050" name="Picture 2">
+            <a:extLst>
+              <a:ext uri="{FF2B5EF4-FFF2-40B4-BE49-F238E27FC236}">
+                <a16:creationId xmlns:a16="http://schemas.microsoft.com/office/drawing/2014/main" id="{1371C28D-C791-0EC6-4655-1F78267836AB}"/>
+              </a:ext>
+            </a:extLst>
+          </p:cNvPr>
+          <p:cNvPicPr>
+            <a:picLocks noChangeAspect="1" noChangeArrowheads="1"/>
+          </p:cNvPicPr>
+          <p:nvPr/>
+        </p:nvPicPr>
+        <p:blipFill>
+          <a:blip r:embed="rId2">
+            <a:extLst>
+              <a:ext uri="{28A0092B-C50C-407E-A947-70E740481C1C}">
+                <a14:useLocalDpi xmlns:a14="http://schemas.microsoft.com/office/drawing/2010/main" val="0"/>
+              </a:ext>
+            </a:extLst>
+          </a:blip>
+          <a:srcRect/>
+          <a:stretch>
+            <a:fillRect/>
+          </a:stretch>
+        </p:blipFill>
+        <p:spPr bwMode="auto">
+          <a:xfrm>
+            <a:off x="262128" y="3710272"/>
+            <a:ext cx="3700272" cy="2678843"/>
+          </a:xfrm>
+          <a:prstGeom prst="rect">
+            <a:avLst/>
+          </a:prstGeom>
+          <a:noFill/>
+          <a:extLst>
+            <a:ext uri="{909E8E84-426E-40DD-AFC4-6F175D3DCCD1}">
+              <a14:hiddenFill xmlns:a14="http://schemas.microsoft.com/office/drawing/2010/main">
+                <a:solidFill>
+                  <a:srgbClr val="FFFFFF"/>
+                </a:solidFill>
+              </a14:hiddenFill>
+            </a:ext>
+          </a:extLst>
+        </p:spPr>
+      </p:pic>
+      <p:pic>
+        <p:nvPicPr>
+          <p:cNvPr id="2052" name="Picture 4">
+            <a:extLst>
+              <a:ext uri="{FF2B5EF4-FFF2-40B4-BE49-F238E27FC236}">
+                <a16:creationId xmlns:a16="http://schemas.microsoft.com/office/drawing/2014/main" id="{BA6EE7B9-112F-C85F-ABFC-1504D41090AC}"/>
+              </a:ext>
+            </a:extLst>
+          </p:cNvPr>
+          <p:cNvPicPr>
+            <a:picLocks noChangeAspect="1" noChangeArrowheads="1"/>
+          </p:cNvPicPr>
+          <p:nvPr/>
+        </p:nvPicPr>
+        <p:blipFill>
+          <a:blip r:embed="rId3">
+            <a:extLst>
+              <a:ext uri="{28A0092B-C50C-407E-A947-70E740481C1C}">
+                <a14:useLocalDpi xmlns:a14="http://schemas.microsoft.com/office/drawing/2010/main" val="0"/>
+              </a:ext>
+            </a:extLst>
+          </a:blip>
+          <a:srcRect/>
+          <a:stretch>
+            <a:fillRect/>
+          </a:stretch>
+        </p:blipFill>
+        <p:spPr bwMode="auto">
+          <a:xfrm>
+            <a:off x="4245864" y="3710272"/>
+            <a:ext cx="3700272" cy="2678843"/>
+          </a:xfrm>
+          <a:prstGeom prst="rect">
+            <a:avLst/>
+          </a:prstGeom>
+          <a:noFill/>
+          <a:extLst>
+            <a:ext uri="{909E8E84-426E-40DD-AFC4-6F175D3DCCD1}">
+              <a14:hiddenFill xmlns:a14="http://schemas.microsoft.com/office/drawing/2010/main">
+                <a:solidFill>
+                  <a:srgbClr val="FFFFFF"/>
+                </a:solidFill>
+              </a14:hiddenFill>
+            </a:ext>
+          </a:extLst>
+        </p:spPr>
+      </p:pic>
+      <p:pic>
+        <p:nvPicPr>
+          <p:cNvPr id="2054" name="Picture 6">
+            <a:extLst>
+              <a:ext uri="{FF2B5EF4-FFF2-40B4-BE49-F238E27FC236}">
+                <a16:creationId xmlns:a16="http://schemas.microsoft.com/office/drawing/2014/main" id="{65EE9DE0-8802-920A-BB19-6000ACC0305D}"/>
+              </a:ext>
+            </a:extLst>
+          </p:cNvPr>
+          <p:cNvPicPr>
+            <a:picLocks noChangeAspect="1" noChangeArrowheads="1"/>
+          </p:cNvPicPr>
+          <p:nvPr/>
+        </p:nvPicPr>
+        <p:blipFill>
+          <a:blip r:embed="rId4">
+            <a:extLst>
+              <a:ext uri="{28A0092B-C50C-407E-A947-70E740481C1C}">
+                <a14:useLocalDpi xmlns:a14="http://schemas.microsoft.com/office/drawing/2010/main" val="0"/>
+              </a:ext>
+            </a:extLst>
+          </a:blip>
+          <a:srcRect/>
+          <a:stretch>
+            <a:fillRect/>
+          </a:stretch>
+        </p:blipFill>
+        <p:spPr bwMode="auto">
+          <a:xfrm>
+            <a:off x="8229600" y="3710272"/>
+            <a:ext cx="3700272" cy="2678843"/>
+          </a:xfrm>
+          <a:prstGeom prst="rect">
+            <a:avLst/>
+          </a:prstGeom>
+          <a:noFill/>
+          <a:extLst>
+            <a:ext uri="{909E8E84-426E-40DD-AFC4-6F175D3DCCD1}">
+              <a14:hiddenFill xmlns:a14="http://schemas.microsoft.com/office/drawing/2010/main">
+                <a:solidFill>
+                  <a:srgbClr val="FFFFFF"/>
+                </a:solidFill>
+              </a14:hiddenFill>
+            </a:ext>
+          </a:extLst>
+        </p:spPr>
+      </p:pic>
+    </p:spTree>
+    <p:extLst>
+      <p:ext uri="{BB962C8B-B14F-4D97-AF65-F5344CB8AC3E}">
+        <p14:creationId xmlns:p14="http://schemas.microsoft.com/office/powerpoint/2010/main" val="3396122263"/>
+      </p:ext>
+    </p:extLst>
+  </p:cSld>
+  <p:clrMapOvr>
+    <a:masterClrMapping/>
+  </p:clrMapOvr>
+</p:sld>
+</file>
+
+<file path=ppt/slides/slide6.xml><?xml version="1.0" encoding="utf-8"?>
 <p:sld xmlns:a="http://schemas.openxmlformats.org/drawingml/2006/main" xmlns:r="http://schemas.openxmlformats.org/officeDocument/2006/relationships" xmlns:p="http://schemas.openxmlformats.org/presentationml/2006/main">
   <p:cSld>
     <p:spTree>
@@ -4127,6 +4602,252 @@
     <p:extLst>
       <p:ext uri="{BB962C8B-B14F-4D97-AF65-F5344CB8AC3E}">
         <p14:creationId xmlns:p14="http://schemas.microsoft.com/office/powerpoint/2010/main" val="4048068550"/>
+      </p:ext>
+    </p:extLst>
+  </p:cSld>
+  <p:clrMapOvr>
+    <a:masterClrMapping/>
+  </p:clrMapOvr>
+</p:sld>
+</file>
+
+<file path=ppt/slides/slide7.xml><?xml version="1.0" encoding="utf-8"?>
+<p:sld xmlns:a="http://schemas.openxmlformats.org/drawingml/2006/main" xmlns:r="http://schemas.openxmlformats.org/officeDocument/2006/relationships" xmlns:p="http://schemas.openxmlformats.org/presentationml/2006/main">
+  <p:cSld>
+    <p:spTree>
+      <p:nvGrpSpPr>
+        <p:cNvPr id="1" name=""/>
+        <p:cNvGrpSpPr/>
+        <p:nvPr/>
+      </p:nvGrpSpPr>
+      <p:grpSpPr>
+        <a:xfrm>
+          <a:off x="0" y="0"/>
+          <a:ext cx="0" cy="0"/>
+          <a:chOff x="0" y="0"/>
+          <a:chExt cx="0" cy="0"/>
+        </a:xfrm>
+      </p:grpSpPr>
+      <p:sp>
+        <p:nvSpPr>
+          <p:cNvPr id="2" name="Title 1">
+            <a:extLst>
+              <a:ext uri="{FF2B5EF4-FFF2-40B4-BE49-F238E27FC236}">
+                <a16:creationId xmlns:a16="http://schemas.microsoft.com/office/drawing/2014/main" id="{1A877E3B-C8DE-F07E-AF0F-4CF353351B7C}"/>
+              </a:ext>
+            </a:extLst>
+          </p:cNvPr>
+          <p:cNvSpPr>
+            <a:spLocks noGrp="1"/>
+          </p:cNvSpPr>
+          <p:nvPr>
+            <p:ph type="title"/>
+          </p:nvPr>
+        </p:nvSpPr>
+        <p:spPr/>
+        <p:txBody>
+          <a:bodyPr/>
+          <a:lstStyle/>
+          <a:p>
+            <a:r>
+              <a:rPr lang="en-US" dirty="0"/>
+              <a:t>2iz8_Triple Mutation (2iz8) – PHI 9.5</a:t>
+            </a:r>
+          </a:p>
+        </p:txBody>
+      </p:sp>
+      <p:sp>
+        <p:nvSpPr>
+          <p:cNvPr id="3" name="TextBox 2">
+            <a:extLst>
+              <a:ext uri="{FF2B5EF4-FFF2-40B4-BE49-F238E27FC236}">
+                <a16:creationId xmlns:a16="http://schemas.microsoft.com/office/drawing/2014/main" id="{1FC14D99-B9F4-2CDD-13A8-959516EC26F2}"/>
+              </a:ext>
+            </a:extLst>
+          </p:cNvPr>
+          <p:cNvSpPr txBox="1"/>
+          <p:nvPr/>
+        </p:nvSpPr>
+        <p:spPr>
+          <a:xfrm>
+            <a:off x="838200" y="1774372"/>
+            <a:ext cx="4729949" cy="923330"/>
+          </a:xfrm>
+          <a:prstGeom prst="rect">
+            <a:avLst/>
+          </a:prstGeom>
+          <a:noFill/>
+        </p:spPr>
+        <p:txBody>
+          <a:bodyPr wrap="none" rtlCol="0">
+            <a:spAutoFit/>
+          </a:bodyPr>
+          <a:lstStyle/>
+          <a:p>
+            <a:r>
+              <a:rPr lang="en-US" dirty="0"/>
+              <a:t>Pearson rank correlation coefficient: -0.162 </a:t>
+            </a:r>
+          </a:p>
+          <a:p>
+            <a:r>
+              <a:rPr lang="en-US" dirty="0"/>
+              <a:t>Spearman rank correlation coefficient: -0.185 </a:t>
+            </a:r>
+          </a:p>
+          <a:p>
+            <a:r>
+              <a:rPr lang="en-US" dirty="0"/>
+              <a:t>Coefficient of Determination (R^2): 0.026</a:t>
+            </a:r>
+          </a:p>
+        </p:txBody>
+      </p:sp>
+      <p:pic>
+        <p:nvPicPr>
+          <p:cNvPr id="3074" name="Picture 2">
+            <a:extLst>
+              <a:ext uri="{FF2B5EF4-FFF2-40B4-BE49-F238E27FC236}">
+                <a16:creationId xmlns:a16="http://schemas.microsoft.com/office/drawing/2014/main" id="{E8FFC3DE-48A5-0030-4622-9A63A1596E2F}"/>
+              </a:ext>
+            </a:extLst>
+          </p:cNvPr>
+          <p:cNvPicPr>
+            <a:picLocks noChangeAspect="1" noChangeArrowheads="1"/>
+          </p:cNvPicPr>
+          <p:nvPr/>
+        </p:nvPicPr>
+        <p:blipFill>
+          <a:blip r:embed="rId2">
+            <a:extLst>
+              <a:ext uri="{28A0092B-C50C-407E-A947-70E740481C1C}">
+                <a14:useLocalDpi xmlns:a14="http://schemas.microsoft.com/office/drawing/2010/main" val="0"/>
+              </a:ext>
+            </a:extLst>
+          </a:blip>
+          <a:srcRect/>
+          <a:stretch>
+            <a:fillRect/>
+          </a:stretch>
+        </p:blipFill>
+        <p:spPr bwMode="auto">
+          <a:xfrm>
+            <a:off x="67056" y="3507559"/>
+            <a:ext cx="3940359" cy="2711435"/>
+          </a:xfrm>
+          <a:prstGeom prst="rect">
+            <a:avLst/>
+          </a:prstGeom>
+          <a:noFill/>
+          <a:extLst>
+            <a:ext uri="{909E8E84-426E-40DD-AFC4-6F175D3DCCD1}">
+              <a14:hiddenFill xmlns:a14="http://schemas.microsoft.com/office/drawing/2010/main">
+                <a:solidFill>
+                  <a:srgbClr val="FFFFFF"/>
+                </a:solidFill>
+              </a14:hiddenFill>
+            </a:ext>
+          </a:extLst>
+        </p:spPr>
+      </p:pic>
+      <p:pic>
+        <p:nvPicPr>
+          <p:cNvPr id="3076" name="Picture 4">
+            <a:extLst>
+              <a:ext uri="{FF2B5EF4-FFF2-40B4-BE49-F238E27FC236}">
+                <a16:creationId xmlns:a16="http://schemas.microsoft.com/office/drawing/2014/main" id="{561E5AF7-1872-AFD1-D8C3-5F8CE3C676E3}"/>
+              </a:ext>
+            </a:extLst>
+          </p:cNvPr>
+          <p:cNvPicPr>
+            <a:picLocks noChangeAspect="1" noChangeArrowheads="1"/>
+          </p:cNvPicPr>
+          <p:nvPr/>
+        </p:nvPicPr>
+        <p:blipFill>
+          <a:blip r:embed="rId3">
+            <a:extLst>
+              <a:ext uri="{28A0092B-C50C-407E-A947-70E740481C1C}">
+                <a14:useLocalDpi xmlns:a14="http://schemas.microsoft.com/office/drawing/2010/main" val="0"/>
+              </a:ext>
+            </a:extLst>
+          </a:blip>
+          <a:srcRect/>
+          <a:stretch>
+            <a:fillRect/>
+          </a:stretch>
+        </p:blipFill>
+        <p:spPr bwMode="auto">
+          <a:xfrm>
+            <a:off x="4195825" y="3511618"/>
+            <a:ext cx="3934461" cy="2707376"/>
+          </a:xfrm>
+          <a:prstGeom prst="rect">
+            <a:avLst/>
+          </a:prstGeom>
+          <a:noFill/>
+          <a:extLst>
+            <a:ext uri="{909E8E84-426E-40DD-AFC4-6F175D3DCCD1}">
+              <a14:hiddenFill xmlns:a14="http://schemas.microsoft.com/office/drawing/2010/main">
+                <a:solidFill>
+                  <a:srgbClr val="FFFFFF"/>
+                </a:solidFill>
+              </a14:hiddenFill>
+            </a:ext>
+          </a:extLst>
+        </p:spPr>
+      </p:pic>
+      <p:pic>
+        <p:nvPicPr>
+          <p:cNvPr id="3078" name="Picture 6">
+            <a:extLst>
+              <a:ext uri="{FF2B5EF4-FFF2-40B4-BE49-F238E27FC236}">
+                <a16:creationId xmlns:a16="http://schemas.microsoft.com/office/drawing/2014/main" id="{DCBAB3D3-0E0D-A679-61C1-5915337B3BBE}"/>
+              </a:ext>
+            </a:extLst>
+          </p:cNvPr>
+          <p:cNvPicPr>
+            <a:picLocks noChangeAspect="1" noChangeArrowheads="1"/>
+          </p:cNvPicPr>
+          <p:nvPr/>
+        </p:nvPicPr>
+        <p:blipFill>
+          <a:blip r:embed="rId4">
+            <a:extLst>
+              <a:ext uri="{28A0092B-C50C-407E-A947-70E740481C1C}">
+                <a14:useLocalDpi xmlns:a14="http://schemas.microsoft.com/office/drawing/2010/main" val="0"/>
+              </a:ext>
+            </a:extLst>
+          </a:blip>
+          <a:srcRect/>
+          <a:stretch>
+            <a:fillRect/>
+          </a:stretch>
+        </p:blipFill>
+        <p:spPr bwMode="auto">
+          <a:xfrm>
+            <a:off x="8318696" y="3507559"/>
+            <a:ext cx="3934461" cy="2707377"/>
+          </a:xfrm>
+          <a:prstGeom prst="rect">
+            <a:avLst/>
+          </a:prstGeom>
+          <a:noFill/>
+          <a:extLst>
+            <a:ext uri="{909E8E84-426E-40DD-AFC4-6F175D3DCCD1}">
+              <a14:hiddenFill xmlns:a14="http://schemas.microsoft.com/office/drawing/2010/main">
+                <a:solidFill>
+                  <a:srgbClr val="FFFFFF"/>
+                </a:solidFill>
+              </a14:hiddenFill>
+            </a:ext>
+          </a:extLst>
+        </p:spPr>
+      </p:pic>
+    </p:spTree>
+    <p:extLst>
+      <p:ext uri="{BB962C8B-B14F-4D97-AF65-F5344CB8AC3E}">
+        <p14:creationId xmlns:p14="http://schemas.microsoft.com/office/powerpoint/2010/main" val="842750830"/>
       </p:ext>
     </p:extLst>
   </p:cSld>

--- a/graphs/2iz8_Mutation_Graphs.pptx
+++ b/graphs/2iz8_Mutation_Graphs.pptx
@@ -12,6 +12,8 @@
     <p:sldId id="291" r:id="rId6"/>
     <p:sldId id="287" r:id="rId7"/>
     <p:sldId id="292" r:id="rId8"/>
+    <p:sldId id="293" r:id="rId9"/>
+    <p:sldId id="294" r:id="rId10"/>
   </p:sldIdLst>
   <p:sldSz cx="12192000" cy="6858000"/>
   <p:notesSz cx="6858000" cy="9144000"/>
@@ -265,7 +267,7 @@
           <a:p>
             <a:fld id="{6B628F25-FB62-F74C-A045-9264E30AD1FC}" type="datetimeFigureOut">
               <a:rPr lang="en-US" smtClean="0"/>
-              <a:t>6/24/24</a:t>
+              <a:t>7/8/24</a:t>
             </a:fld>
             <a:endParaRPr lang="en-US"/>
           </a:p>
@@ -463,7 +465,7 @@
           <a:p>
             <a:fld id="{6B628F25-FB62-F74C-A045-9264E30AD1FC}" type="datetimeFigureOut">
               <a:rPr lang="en-US" smtClean="0"/>
-              <a:t>6/24/24</a:t>
+              <a:t>7/8/24</a:t>
             </a:fld>
             <a:endParaRPr lang="en-US"/>
           </a:p>
@@ -671,7 +673,7 @@
           <a:p>
             <a:fld id="{6B628F25-FB62-F74C-A045-9264E30AD1FC}" type="datetimeFigureOut">
               <a:rPr lang="en-US" smtClean="0"/>
-              <a:t>6/24/24</a:t>
+              <a:t>7/8/24</a:t>
             </a:fld>
             <a:endParaRPr lang="en-US"/>
           </a:p>
@@ -869,7 +871,7 @@
           <a:p>
             <a:fld id="{6B628F25-FB62-F74C-A045-9264E30AD1FC}" type="datetimeFigureOut">
               <a:rPr lang="en-US" smtClean="0"/>
-              <a:t>6/24/24</a:t>
+              <a:t>7/8/24</a:t>
             </a:fld>
             <a:endParaRPr lang="en-US"/>
           </a:p>
@@ -1144,7 +1146,7 @@
           <a:p>
             <a:fld id="{6B628F25-FB62-F74C-A045-9264E30AD1FC}" type="datetimeFigureOut">
               <a:rPr lang="en-US" smtClean="0"/>
-              <a:t>6/24/24</a:t>
+              <a:t>7/8/24</a:t>
             </a:fld>
             <a:endParaRPr lang="en-US"/>
           </a:p>
@@ -1409,7 +1411,7 @@
           <a:p>
             <a:fld id="{6B628F25-FB62-F74C-A045-9264E30AD1FC}" type="datetimeFigureOut">
               <a:rPr lang="en-US" smtClean="0"/>
-              <a:t>6/24/24</a:t>
+              <a:t>7/8/24</a:t>
             </a:fld>
             <a:endParaRPr lang="en-US"/>
           </a:p>
@@ -1821,7 +1823,7 @@
           <a:p>
             <a:fld id="{6B628F25-FB62-F74C-A045-9264E30AD1FC}" type="datetimeFigureOut">
               <a:rPr lang="en-US" smtClean="0"/>
-              <a:t>6/24/24</a:t>
+              <a:t>7/8/24</a:t>
             </a:fld>
             <a:endParaRPr lang="en-US"/>
           </a:p>
@@ -1962,7 +1964,7 @@
           <a:p>
             <a:fld id="{6B628F25-FB62-F74C-A045-9264E30AD1FC}" type="datetimeFigureOut">
               <a:rPr lang="en-US" smtClean="0"/>
-              <a:t>6/24/24</a:t>
+              <a:t>7/8/24</a:t>
             </a:fld>
             <a:endParaRPr lang="en-US"/>
           </a:p>
@@ -2075,7 +2077,7 @@
           <a:p>
             <a:fld id="{6B628F25-FB62-F74C-A045-9264E30AD1FC}" type="datetimeFigureOut">
               <a:rPr lang="en-US" smtClean="0"/>
-              <a:t>6/24/24</a:t>
+              <a:t>7/8/24</a:t>
             </a:fld>
             <a:endParaRPr lang="en-US"/>
           </a:p>
@@ -2386,7 +2388,7 @@
           <a:p>
             <a:fld id="{6B628F25-FB62-F74C-A045-9264E30AD1FC}" type="datetimeFigureOut">
               <a:rPr lang="en-US" smtClean="0"/>
-              <a:t>6/24/24</a:t>
+              <a:t>7/8/24</a:t>
             </a:fld>
             <a:endParaRPr lang="en-US"/>
           </a:p>
@@ -2674,7 +2676,7 @@
           <a:p>
             <a:fld id="{6B628F25-FB62-F74C-A045-9264E30AD1FC}" type="datetimeFigureOut">
               <a:rPr lang="en-US" smtClean="0"/>
-              <a:t>6/24/24</a:t>
+              <a:t>7/8/24</a:t>
             </a:fld>
             <a:endParaRPr lang="en-US"/>
           </a:p>
@@ -2915,7 +2917,7 @@
           <a:p>
             <a:fld id="{6B628F25-FB62-F74C-A045-9264E30AD1FC}" type="datetimeFigureOut">
               <a:rPr lang="en-US" smtClean="0"/>
-              <a:t>6/24/24</a:t>
+              <a:t>7/8/24</a:t>
             </a:fld>
             <a:endParaRPr lang="en-US"/>
           </a:p>
@@ -4848,6 +4850,498 @@
     <p:extLst>
       <p:ext uri="{BB962C8B-B14F-4D97-AF65-F5344CB8AC3E}">
         <p14:creationId xmlns:p14="http://schemas.microsoft.com/office/powerpoint/2010/main" val="842750830"/>
+      </p:ext>
+    </p:extLst>
+  </p:cSld>
+  <p:clrMapOvr>
+    <a:masterClrMapping/>
+  </p:clrMapOvr>
+</p:sld>
+</file>
+
+<file path=ppt/slides/slide8.xml><?xml version="1.0" encoding="utf-8"?>
+<p:sld xmlns:a="http://schemas.openxmlformats.org/drawingml/2006/main" xmlns:r="http://schemas.openxmlformats.org/officeDocument/2006/relationships" xmlns:p="http://schemas.openxmlformats.org/presentationml/2006/main">
+  <p:cSld>
+    <p:spTree>
+      <p:nvGrpSpPr>
+        <p:cNvPr id="1" name=""/>
+        <p:cNvGrpSpPr/>
+        <p:nvPr/>
+      </p:nvGrpSpPr>
+      <p:grpSpPr>
+        <a:xfrm>
+          <a:off x="0" y="0"/>
+          <a:ext cx="0" cy="0"/>
+          <a:chOff x="0" y="0"/>
+          <a:chExt cx="0" cy="0"/>
+        </a:xfrm>
+      </p:grpSpPr>
+      <p:sp>
+        <p:nvSpPr>
+          <p:cNvPr id="2" name="Title 1">
+            <a:extLst>
+              <a:ext uri="{FF2B5EF4-FFF2-40B4-BE49-F238E27FC236}">
+                <a16:creationId xmlns:a16="http://schemas.microsoft.com/office/drawing/2014/main" id="{1A877E3B-C8DE-F07E-AF0F-4CF353351B7C}"/>
+              </a:ext>
+            </a:extLst>
+          </p:cNvPr>
+          <p:cNvSpPr>
+            <a:spLocks noGrp="1"/>
+          </p:cNvSpPr>
+          <p:nvPr>
+            <p:ph type="title"/>
+          </p:nvPr>
+        </p:nvSpPr>
+        <p:spPr/>
+        <p:txBody>
+          <a:bodyPr/>
+          <a:lstStyle/>
+          <a:p>
+            <a:r>
+              <a:rPr lang="en-US" dirty="0"/>
+              <a:t>2iz8_Quadruple Mutation (2bu1) – PHI 9.5</a:t>
+            </a:r>
+          </a:p>
+        </p:txBody>
+      </p:sp>
+      <p:sp>
+        <p:nvSpPr>
+          <p:cNvPr id="4" name="TextBox 3">
+            <a:extLst>
+              <a:ext uri="{FF2B5EF4-FFF2-40B4-BE49-F238E27FC236}">
+                <a16:creationId xmlns:a16="http://schemas.microsoft.com/office/drawing/2014/main" id="{728302CB-C012-00EF-0450-25C9128C2913}"/>
+              </a:ext>
+            </a:extLst>
+          </p:cNvPr>
+          <p:cNvSpPr txBox="1"/>
+          <p:nvPr/>
+        </p:nvSpPr>
+        <p:spPr>
+          <a:xfrm>
+            <a:off x="838200" y="1757723"/>
+            <a:ext cx="6094990" cy="923330"/>
+          </a:xfrm>
+          <a:prstGeom prst="rect">
+            <a:avLst/>
+          </a:prstGeom>
+          <a:noFill/>
+        </p:spPr>
+        <p:txBody>
+          <a:bodyPr wrap="square">
+            <a:spAutoFit/>
+          </a:bodyPr>
+          <a:lstStyle/>
+          <a:p>
+            <a:r>
+              <a:rPr lang="en-US" dirty="0"/>
+              <a:t>Pearson rank correlation coefficient: -0.453 </a:t>
+            </a:r>
+          </a:p>
+          <a:p>
+            <a:r>
+              <a:rPr lang="en-US" dirty="0"/>
+              <a:t>Spearman rank correlation coefficient: -0.503 </a:t>
+            </a:r>
+          </a:p>
+          <a:p>
+            <a:r>
+              <a:rPr lang="en-US" dirty="0"/>
+              <a:t>Coefficient of Determination (R^2): 0.205</a:t>
+            </a:r>
+          </a:p>
+        </p:txBody>
+      </p:sp>
+      <p:pic>
+        <p:nvPicPr>
+          <p:cNvPr id="3" name="Picture 2">
+            <a:extLst>
+              <a:ext uri="{FF2B5EF4-FFF2-40B4-BE49-F238E27FC236}">
+                <a16:creationId xmlns:a16="http://schemas.microsoft.com/office/drawing/2014/main" id="{75D927F6-CA39-8069-78F8-BD744A47CF16}"/>
+              </a:ext>
+            </a:extLst>
+          </p:cNvPr>
+          <p:cNvPicPr>
+            <a:picLocks noChangeAspect="1" noChangeArrowheads="1"/>
+          </p:cNvPicPr>
+          <p:nvPr/>
+        </p:nvPicPr>
+        <p:blipFill>
+          <a:blip r:embed="rId2">
+            <a:extLst>
+              <a:ext uri="{28A0092B-C50C-407E-A947-70E740481C1C}">
+                <a14:useLocalDpi xmlns:a14="http://schemas.microsoft.com/office/drawing/2010/main" val="0"/>
+              </a:ext>
+            </a:extLst>
+          </a:blip>
+          <a:srcRect/>
+          <a:stretch>
+            <a:fillRect/>
+          </a:stretch>
+        </p:blipFill>
+        <p:spPr bwMode="auto">
+          <a:xfrm>
+            <a:off x="135280" y="3209481"/>
+            <a:ext cx="3838516" cy="2647909"/>
+          </a:xfrm>
+          <a:prstGeom prst="rect">
+            <a:avLst/>
+          </a:prstGeom>
+          <a:noFill/>
+          <a:extLst>
+            <a:ext uri="{909E8E84-426E-40DD-AFC4-6F175D3DCCD1}">
+              <a14:hiddenFill xmlns:a14="http://schemas.microsoft.com/office/drawing/2010/main">
+                <a:solidFill>
+                  <a:srgbClr val="FFFFFF"/>
+                </a:solidFill>
+              </a14:hiddenFill>
+            </a:ext>
+          </a:extLst>
+        </p:spPr>
+      </p:pic>
+      <p:pic>
+        <p:nvPicPr>
+          <p:cNvPr id="5" name="Picture 4">
+            <a:extLst>
+              <a:ext uri="{FF2B5EF4-FFF2-40B4-BE49-F238E27FC236}">
+                <a16:creationId xmlns:a16="http://schemas.microsoft.com/office/drawing/2014/main" id="{7397EFA0-A659-1752-5137-E6A291A2AB2B}"/>
+              </a:ext>
+            </a:extLst>
+          </p:cNvPr>
+          <p:cNvPicPr>
+            <a:picLocks noChangeAspect="1" noChangeArrowheads="1"/>
+          </p:cNvPicPr>
+          <p:nvPr/>
+        </p:nvPicPr>
+        <p:blipFill>
+          <a:blip r:embed="rId3">
+            <a:extLst>
+              <a:ext uri="{28A0092B-C50C-407E-A947-70E740481C1C}">
+                <a14:useLocalDpi xmlns:a14="http://schemas.microsoft.com/office/drawing/2010/main" val="0"/>
+              </a:ext>
+            </a:extLst>
+          </a:blip>
+          <a:srcRect/>
+          <a:stretch>
+            <a:fillRect/>
+          </a:stretch>
+        </p:blipFill>
+        <p:spPr bwMode="auto">
+          <a:xfrm>
+            <a:off x="4176742" y="3209482"/>
+            <a:ext cx="3838516" cy="2647909"/>
+          </a:xfrm>
+          <a:prstGeom prst="rect">
+            <a:avLst/>
+          </a:prstGeom>
+          <a:noFill/>
+          <a:extLst>
+            <a:ext uri="{909E8E84-426E-40DD-AFC4-6F175D3DCCD1}">
+              <a14:hiddenFill xmlns:a14="http://schemas.microsoft.com/office/drawing/2010/main">
+                <a:solidFill>
+                  <a:srgbClr val="FFFFFF"/>
+                </a:solidFill>
+              </a14:hiddenFill>
+            </a:ext>
+          </a:extLst>
+        </p:spPr>
+      </p:pic>
+      <p:pic>
+        <p:nvPicPr>
+          <p:cNvPr id="6" name="Picture 6">
+            <a:extLst>
+              <a:ext uri="{FF2B5EF4-FFF2-40B4-BE49-F238E27FC236}">
+                <a16:creationId xmlns:a16="http://schemas.microsoft.com/office/drawing/2014/main" id="{25DEF968-5F68-C289-AE57-177654D27C8E}"/>
+              </a:ext>
+            </a:extLst>
+          </p:cNvPr>
+          <p:cNvPicPr>
+            <a:picLocks noChangeAspect="1" noChangeArrowheads="1"/>
+          </p:cNvPicPr>
+          <p:nvPr/>
+        </p:nvPicPr>
+        <p:blipFill>
+          <a:blip r:embed="rId4">
+            <a:extLst>
+              <a:ext uri="{28A0092B-C50C-407E-A947-70E740481C1C}">
+                <a14:useLocalDpi xmlns:a14="http://schemas.microsoft.com/office/drawing/2010/main" val="0"/>
+              </a:ext>
+            </a:extLst>
+          </a:blip>
+          <a:srcRect/>
+          <a:stretch>
+            <a:fillRect/>
+          </a:stretch>
+        </p:blipFill>
+        <p:spPr bwMode="auto">
+          <a:xfrm>
+            <a:off x="8218204" y="3209480"/>
+            <a:ext cx="3838516" cy="2647909"/>
+          </a:xfrm>
+          <a:prstGeom prst="rect">
+            <a:avLst/>
+          </a:prstGeom>
+          <a:noFill/>
+          <a:extLst>
+            <a:ext uri="{909E8E84-426E-40DD-AFC4-6F175D3DCCD1}">
+              <a14:hiddenFill xmlns:a14="http://schemas.microsoft.com/office/drawing/2010/main">
+                <a:solidFill>
+                  <a:srgbClr val="FFFFFF"/>
+                </a:solidFill>
+              </a14:hiddenFill>
+            </a:ext>
+          </a:extLst>
+        </p:spPr>
+      </p:pic>
+    </p:spTree>
+    <p:extLst>
+      <p:ext uri="{BB962C8B-B14F-4D97-AF65-F5344CB8AC3E}">
+        <p14:creationId xmlns:p14="http://schemas.microsoft.com/office/powerpoint/2010/main" val="2773340365"/>
+      </p:ext>
+    </p:extLst>
+  </p:cSld>
+  <p:clrMapOvr>
+    <a:masterClrMapping/>
+  </p:clrMapOvr>
+</p:sld>
+</file>
+
+<file path=ppt/slides/slide9.xml><?xml version="1.0" encoding="utf-8"?>
+<p:sld xmlns:a="http://schemas.openxmlformats.org/drawingml/2006/main" xmlns:r="http://schemas.openxmlformats.org/officeDocument/2006/relationships" xmlns:p="http://schemas.openxmlformats.org/presentationml/2006/main">
+  <p:cSld>
+    <p:spTree>
+      <p:nvGrpSpPr>
+        <p:cNvPr id="1" name=""/>
+        <p:cNvGrpSpPr/>
+        <p:nvPr/>
+      </p:nvGrpSpPr>
+      <p:grpSpPr>
+        <a:xfrm>
+          <a:off x="0" y="0"/>
+          <a:ext cx="0" cy="0"/>
+          <a:chOff x="0" y="0"/>
+          <a:chExt cx="0" cy="0"/>
+        </a:xfrm>
+      </p:grpSpPr>
+      <p:sp>
+        <p:nvSpPr>
+          <p:cNvPr id="2" name="Title 1">
+            <a:extLst>
+              <a:ext uri="{FF2B5EF4-FFF2-40B4-BE49-F238E27FC236}">
+                <a16:creationId xmlns:a16="http://schemas.microsoft.com/office/drawing/2014/main" id="{1A877E3B-C8DE-F07E-AF0F-4CF353351B7C}"/>
+              </a:ext>
+            </a:extLst>
+          </p:cNvPr>
+          <p:cNvSpPr>
+            <a:spLocks noGrp="1"/>
+          </p:cNvSpPr>
+          <p:nvPr>
+            <p:ph type="title"/>
+          </p:nvPr>
+        </p:nvSpPr>
+        <p:spPr/>
+        <p:txBody>
+          <a:bodyPr/>
+          <a:lstStyle/>
+          <a:p>
+            <a:r>
+              <a:rPr lang="en-US" dirty="0"/>
+              <a:t>2iz8_AF_Quadruple Mutation (2bu1) – PHI 9.5</a:t>
+            </a:r>
+          </a:p>
+        </p:txBody>
+      </p:sp>
+      <p:sp>
+        <p:nvSpPr>
+          <p:cNvPr id="4" name="TextBox 3">
+            <a:extLst>
+              <a:ext uri="{FF2B5EF4-FFF2-40B4-BE49-F238E27FC236}">
+                <a16:creationId xmlns:a16="http://schemas.microsoft.com/office/drawing/2014/main" id="{728302CB-C012-00EF-0450-25C9128C2913}"/>
+              </a:ext>
+            </a:extLst>
+          </p:cNvPr>
+          <p:cNvSpPr txBox="1"/>
+          <p:nvPr/>
+        </p:nvSpPr>
+        <p:spPr>
+          <a:xfrm>
+            <a:off x="838200" y="1757723"/>
+            <a:ext cx="6094990" cy="923330"/>
+          </a:xfrm>
+          <a:prstGeom prst="rect">
+            <a:avLst/>
+          </a:prstGeom>
+          <a:noFill/>
+        </p:spPr>
+        <p:txBody>
+          <a:bodyPr wrap="square">
+            <a:spAutoFit/>
+          </a:bodyPr>
+          <a:lstStyle/>
+          <a:p>
+            <a:r>
+              <a:rPr lang="en-US" dirty="0"/>
+              <a:t>Pearson rank correlation coefficient: -0.245 </a:t>
+            </a:r>
+          </a:p>
+          <a:p>
+            <a:r>
+              <a:rPr lang="en-US" dirty="0"/>
+              <a:t>Spearman rank correlation coefficient: -0.007 </a:t>
+            </a:r>
+          </a:p>
+          <a:p>
+            <a:r>
+              <a:rPr lang="en-US" dirty="0"/>
+              <a:t>Coefficient of Determination (R^2): 0.060</a:t>
+            </a:r>
+          </a:p>
+        </p:txBody>
+      </p:sp>
+      <p:pic>
+        <p:nvPicPr>
+          <p:cNvPr id="3074" name="Picture 2">
+            <a:extLst>
+              <a:ext uri="{FF2B5EF4-FFF2-40B4-BE49-F238E27FC236}">
+                <a16:creationId xmlns:a16="http://schemas.microsoft.com/office/drawing/2014/main" id="{B79EB4A2-F23A-4B81-BF19-888F136C4421}"/>
+              </a:ext>
+            </a:extLst>
+          </p:cNvPr>
+          <p:cNvPicPr>
+            <a:picLocks noChangeAspect="1" noChangeArrowheads="1"/>
+          </p:cNvPicPr>
+          <p:nvPr/>
+        </p:nvPicPr>
+        <p:blipFill>
+          <a:blip r:embed="rId2">
+            <a:extLst>
+              <a:ext uri="{28A0092B-C50C-407E-A947-70E740481C1C}">
+                <a14:useLocalDpi xmlns:a14="http://schemas.microsoft.com/office/drawing/2010/main" val="0"/>
+              </a:ext>
+            </a:extLst>
+          </a:blip>
+          <a:srcRect/>
+          <a:stretch>
+            <a:fillRect/>
+          </a:stretch>
+        </p:blipFill>
+        <p:spPr bwMode="auto">
+          <a:xfrm>
+            <a:off x="72668" y="3366930"/>
+            <a:ext cx="3927318" cy="2778103"/>
+          </a:xfrm>
+          <a:prstGeom prst="rect">
+            <a:avLst/>
+          </a:prstGeom>
+          <a:noFill/>
+          <a:extLst>
+            <a:ext uri="{909E8E84-426E-40DD-AFC4-6F175D3DCCD1}">
+              <a14:hiddenFill xmlns:a14="http://schemas.microsoft.com/office/drawing/2010/main">
+                <a:solidFill>
+                  <a:srgbClr val="FFFFFF"/>
+                </a:solidFill>
+              </a14:hiddenFill>
+            </a:ext>
+          </a:extLst>
+        </p:spPr>
+      </p:pic>
+      <p:pic>
+        <p:nvPicPr>
+          <p:cNvPr id="3076" name="Picture 4">
+            <a:extLst>
+              <a:ext uri="{FF2B5EF4-FFF2-40B4-BE49-F238E27FC236}">
+                <a16:creationId xmlns:a16="http://schemas.microsoft.com/office/drawing/2014/main" id="{39057DC4-6DC6-90F0-8968-D0A5203FA61D}"/>
+              </a:ext>
+            </a:extLst>
+          </p:cNvPr>
+          <p:cNvPicPr>
+            <a:picLocks noChangeAspect="1" noChangeArrowheads="1"/>
+          </p:cNvPicPr>
+          <p:nvPr/>
+        </p:nvPicPr>
+        <p:blipFill>
+          <a:blip r:embed="rId3">
+            <a:extLst>
+              <a:ext uri="{28A0092B-C50C-407E-A947-70E740481C1C}">
+                <a14:useLocalDpi xmlns:a14="http://schemas.microsoft.com/office/drawing/2010/main" val="0"/>
+              </a:ext>
+            </a:extLst>
+          </a:blip>
+          <a:srcRect/>
+          <a:stretch>
+            <a:fillRect/>
+          </a:stretch>
+        </p:blipFill>
+        <p:spPr bwMode="auto">
+          <a:xfrm>
+            <a:off x="4132341" y="3366930"/>
+            <a:ext cx="3927318" cy="2778103"/>
+          </a:xfrm>
+          <a:prstGeom prst="rect">
+            <a:avLst/>
+          </a:prstGeom>
+          <a:noFill/>
+          <a:extLst>
+            <a:ext uri="{909E8E84-426E-40DD-AFC4-6F175D3DCCD1}">
+              <a14:hiddenFill xmlns:a14="http://schemas.microsoft.com/office/drawing/2010/main">
+                <a:solidFill>
+                  <a:srgbClr val="FFFFFF"/>
+                </a:solidFill>
+              </a14:hiddenFill>
+            </a:ext>
+          </a:extLst>
+        </p:spPr>
+      </p:pic>
+      <p:pic>
+        <p:nvPicPr>
+          <p:cNvPr id="3078" name="Picture 6">
+            <a:extLst>
+              <a:ext uri="{FF2B5EF4-FFF2-40B4-BE49-F238E27FC236}">
+                <a16:creationId xmlns:a16="http://schemas.microsoft.com/office/drawing/2014/main" id="{568D1AD2-0AA9-E457-49B4-D4ABAE147F06}"/>
+              </a:ext>
+            </a:extLst>
+          </p:cNvPr>
+          <p:cNvPicPr>
+            <a:picLocks noChangeAspect="1" noChangeArrowheads="1"/>
+          </p:cNvPicPr>
+          <p:nvPr/>
+        </p:nvPicPr>
+        <p:blipFill>
+          <a:blip r:embed="rId4">
+            <a:extLst>
+              <a:ext uri="{28A0092B-C50C-407E-A947-70E740481C1C}">
+                <a14:useLocalDpi xmlns:a14="http://schemas.microsoft.com/office/drawing/2010/main" val="0"/>
+              </a:ext>
+            </a:extLst>
+          </a:blip>
+          <a:srcRect/>
+          <a:stretch>
+            <a:fillRect/>
+          </a:stretch>
+        </p:blipFill>
+        <p:spPr bwMode="auto">
+          <a:xfrm>
+            <a:off x="8192014" y="3366930"/>
+            <a:ext cx="3927318" cy="2778103"/>
+          </a:xfrm>
+          <a:prstGeom prst="rect">
+            <a:avLst/>
+          </a:prstGeom>
+          <a:noFill/>
+          <a:extLst>
+            <a:ext uri="{909E8E84-426E-40DD-AFC4-6F175D3DCCD1}">
+              <a14:hiddenFill xmlns:a14="http://schemas.microsoft.com/office/drawing/2010/main">
+                <a:solidFill>
+                  <a:srgbClr val="FFFFFF"/>
+                </a:solidFill>
+              </a14:hiddenFill>
+            </a:ext>
+          </a:extLst>
+        </p:spPr>
+      </p:pic>
+    </p:spTree>
+    <p:extLst>
+      <p:ext uri="{BB962C8B-B14F-4D97-AF65-F5344CB8AC3E}">
+        <p14:creationId xmlns:p14="http://schemas.microsoft.com/office/powerpoint/2010/main" val="3459494993"/>
       </p:ext>
     </p:extLst>
   </p:cSld>
